--- a/VDA弯曲角模板.pptx
+++ b/VDA弯曲角模板.pptx
@@ -1030,7 +1030,7 @@
                       </a:endParaRPr>
                     </a:p>
                   </a:txBody>
-                  <a:tcPr marL="68580" marR="68580" anchor="ctr" anchorCtr="0">
+                  <a:tcPr marL="0" marR="0" marT="0" marB="0" anchor="ctr" anchorCtr="0">
                     <a:solidFill>
                       <a:srgbClr val="19898D"/>
                     </a:solidFill>
@@ -1063,7 +1063,7 @@
                       </a:endParaRPr>
                     </a:p>
                   </a:txBody>
-                  <a:tcPr marL="68580" marR="68580" anchor="ctr" anchorCtr="0">
+                  <a:tcPr marL="0" marR="0" marT="0" marB="0" anchor="ctr" anchorCtr="0">
                     <a:solidFill>
                       <a:srgbClr val="19898D"/>
                     </a:solidFill>
@@ -1121,7 +1121,7 @@
                       </a:endParaRPr>
                     </a:p>
                   </a:txBody>
-                  <a:tcPr marL="68580" marR="68580" anchor="ctr" anchorCtr="0">
+                  <a:tcPr marL="0" marR="0" marT="0" marB="0" anchor="ctr" anchorCtr="0">
                     <a:solidFill>
                       <a:srgbClr val="19898D"/>
                     </a:solidFill>
@@ -1179,7 +1179,7 @@
                       </a:endParaRPr>
                     </a:p>
                   </a:txBody>
-                  <a:tcPr marL="68580" marR="68580" anchor="ctr" anchorCtr="0">
+                  <a:tcPr marL="0" marR="0" marT="0" marB="0" anchor="ctr" anchorCtr="0">
                     <a:solidFill>
                       <a:srgbClr val="19898D"/>
                     </a:solidFill>
@@ -1237,7 +1237,7 @@
                       </a:endParaRPr>
                     </a:p>
                   </a:txBody>
-                  <a:tcPr marL="68580" marR="68580" anchor="ctr" anchorCtr="0">
+                  <a:tcPr marL="0" marR="0" marT="0" marB="0" anchor="ctr" anchorCtr="0">
                     <a:solidFill>
                       <a:srgbClr val="19898D"/>
                     </a:solidFill>
@@ -1292,7 +1292,7 @@
                       </a:endParaRPr>
                     </a:p>
                   </a:txBody>
-                  <a:tcPr marL="68580" marR="68580" anchor="ctr" anchorCtr="0">
+                  <a:tcPr marL="0" marR="0" marT="0" marB="0" anchor="ctr" anchorCtr="0">
                     <a:solidFill>
                       <a:srgbClr val="19898D"/>
                     </a:solidFill>
@@ -1313,7 +1313,7 @@
                       </a:endParaRPr>
                     </a:p>
                   </a:txBody>
-                  <a:tcPr marL="68580" marR="68580" anchor="ctr" anchorCtr="0">
+                  <a:tcPr marL="0" marR="0" marT="0" marB="0" anchor="ctr" anchorCtr="0">
                     <a:solidFill>
                       <a:srgbClr val="E6F0F2"/>
                     </a:solidFill>
@@ -1332,67 +1332,67 @@
                       </a:endParaRPr>
                     </a:p>
                   </a:txBody>
-                  <a:tcPr marL="68580" marR="68580" anchor="ctr" anchorCtr="0">
-                    <a:solidFill>
-                      <a:srgbClr val="E6F0F2"/>
-                    </a:solidFill>
-                  </a:tcPr>
-                </a:tc>
-                <a:tc>
-                  <a:txBody>
-                    <a:bodyPr/>
-                    <a:p>
-                      <a:pPr marL="7620" indent="0" algn="ctr" fontAlgn="t"/>
-                      <a:endParaRPr lang="en-US" altLang="zh-CN" sz="1400" b="0" i="0">
-                        <a:solidFill>
-                          <a:srgbClr val="000000"/>
-                        </a:solidFill>
-                        <a:latin typeface="微软雅黑" panose="020B0503020204020204" charset="-122"/>
-                        <a:ea typeface="微软雅黑" panose="020B0503020204020204" charset="-122"/>
-                      </a:endParaRPr>
-                    </a:p>
-                  </a:txBody>
-                  <a:tcPr marL="7937" marR="7937" marT="7937" anchor="ctr" anchorCtr="0">
-                    <a:solidFill>
-                      <a:srgbClr val="E6F0F2"/>
-                    </a:solidFill>
-                  </a:tcPr>
-                </a:tc>
-                <a:tc>
-                  <a:txBody>
-                    <a:bodyPr/>
-                    <a:p>
-                      <a:pPr marL="7620" indent="0" algn="ctr" fontAlgn="t"/>
-                      <a:endParaRPr lang="en-US" altLang="zh-CN" sz="1400" b="0" i="0">
-                        <a:solidFill>
-                          <a:srgbClr val="000000"/>
-                        </a:solidFill>
-                        <a:latin typeface="微软雅黑" panose="020B0503020204020204" charset="-122"/>
-                        <a:ea typeface="微软雅黑" panose="020B0503020204020204" charset="-122"/>
-                      </a:endParaRPr>
-                    </a:p>
-                  </a:txBody>
-                  <a:tcPr marL="7937" marR="7937" marT="7937" anchor="ctr" anchorCtr="0">
-                    <a:solidFill>
-                      <a:srgbClr val="E6F0F2"/>
-                    </a:solidFill>
-                  </a:tcPr>
-                </a:tc>
-                <a:tc>
-                  <a:txBody>
-                    <a:bodyPr/>
-                    <a:p>
-                      <a:pPr marL="7620" indent="0" algn="ctr" fontAlgn="t"/>
-                      <a:endParaRPr lang="en-US" altLang="zh-CN" sz="1400" b="0" i="0">
-                        <a:solidFill>
-                          <a:srgbClr val="000000"/>
-                        </a:solidFill>
-                        <a:latin typeface="微软雅黑" panose="020B0503020204020204" charset="-122"/>
-                        <a:ea typeface="微软雅黑" panose="020B0503020204020204" charset="-122"/>
-                      </a:endParaRPr>
-                    </a:p>
-                  </a:txBody>
-                  <a:tcPr marL="7937" marR="7937" marT="7937" anchor="ctr" anchorCtr="0">
+                  <a:tcPr marL="0" marR="0" marT="0" marB="0" anchor="ctr" anchorCtr="0">
+                    <a:solidFill>
+                      <a:srgbClr val="E6F0F2"/>
+                    </a:solidFill>
+                  </a:tcPr>
+                </a:tc>
+                <a:tc>
+                  <a:txBody>
+                    <a:bodyPr/>
+                    <a:p>
+                      <a:pPr marL="7620" indent="0" algn="ctr" fontAlgn="t"/>
+                      <a:endParaRPr lang="en-US" altLang="zh-CN" sz="1400" b="0" i="0">
+                        <a:solidFill>
+                          <a:srgbClr val="000000"/>
+                        </a:solidFill>
+                        <a:latin typeface="微软雅黑" panose="020B0503020204020204" charset="-122"/>
+                        <a:ea typeface="微软雅黑" panose="020B0503020204020204" charset="-122"/>
+                      </a:endParaRPr>
+                    </a:p>
+                  </a:txBody>
+                  <a:tcPr marL="0" marR="0" marT="0" marB="0" anchor="ctr" anchorCtr="0">
+                    <a:solidFill>
+                      <a:srgbClr val="E6F0F2"/>
+                    </a:solidFill>
+                  </a:tcPr>
+                </a:tc>
+                <a:tc>
+                  <a:txBody>
+                    <a:bodyPr/>
+                    <a:p>
+                      <a:pPr marL="7620" indent="0" algn="ctr" fontAlgn="t"/>
+                      <a:endParaRPr lang="en-US" altLang="zh-CN" sz="1400" b="0" i="0">
+                        <a:solidFill>
+                          <a:srgbClr val="000000"/>
+                        </a:solidFill>
+                        <a:latin typeface="微软雅黑" panose="020B0503020204020204" charset="-122"/>
+                        <a:ea typeface="微软雅黑" panose="020B0503020204020204" charset="-122"/>
+                      </a:endParaRPr>
+                    </a:p>
+                  </a:txBody>
+                  <a:tcPr marL="0" marR="0" marT="0" marB="0" anchor="ctr" anchorCtr="0">
+                    <a:solidFill>
+                      <a:srgbClr val="E6F0F2"/>
+                    </a:solidFill>
+                  </a:tcPr>
+                </a:tc>
+                <a:tc>
+                  <a:txBody>
+                    <a:bodyPr/>
+                    <a:p>
+                      <a:pPr marL="7620" indent="0" algn="ctr" fontAlgn="t"/>
+                      <a:endParaRPr lang="en-US" altLang="zh-CN" sz="1400" b="0" i="0">
+                        <a:solidFill>
+                          <a:srgbClr val="000000"/>
+                        </a:solidFill>
+                        <a:latin typeface="微软雅黑" panose="020B0503020204020204" charset="-122"/>
+                        <a:ea typeface="微软雅黑" panose="020B0503020204020204" charset="-122"/>
+                      </a:endParaRPr>
+                    </a:p>
+                  </a:txBody>
+                  <a:tcPr marL="0" marR="0" marT="0" marB="0" anchor="ctr" anchorCtr="0">
                     <a:solidFill>
                       <a:srgbClr val="E6F0F2"/>
                     </a:solidFill>
@@ -1412,7 +1412,7 @@
                       </a:endParaRPr>
                     </a:p>
                   </a:txBody>
-                  <a:tcPr marL="7937" marR="7937" marT="7937" anchor="ctr" anchorCtr="0">
+                  <a:tcPr marL="0" marR="0" marT="0" marB="0" anchor="ctr" anchorCtr="0">
                     <a:solidFill>
                       <a:srgbClr val="E6F0F2"/>
                     </a:solidFill>
@@ -1438,67 +1438,67 @@
                       </a:endParaRPr>
                     </a:p>
                   </a:txBody>
-                  <a:tcPr marL="68580" marR="68580" anchor="ctr" anchorCtr="0">
-                    <a:solidFill>
-                      <a:srgbClr val="E6F0F2"/>
-                    </a:solidFill>
-                  </a:tcPr>
-                </a:tc>
-                <a:tc>
-                  <a:txBody>
-                    <a:bodyPr/>
-                    <a:p>
-                      <a:pPr marL="7620" indent="0" algn="ctr" fontAlgn="t"/>
-                      <a:endParaRPr lang="en-US" altLang="zh-CN" sz="1400" b="0" i="0">
-                        <a:solidFill>
-                          <a:srgbClr val="000000"/>
-                        </a:solidFill>
-                        <a:latin typeface="微软雅黑" panose="020B0503020204020204" charset="-122"/>
-                        <a:ea typeface="微软雅黑" panose="020B0503020204020204" charset="-122"/>
-                      </a:endParaRPr>
-                    </a:p>
-                  </a:txBody>
-                  <a:tcPr marL="7937" marR="7937" marT="7937" anchor="ctr" anchorCtr="0">
-                    <a:solidFill>
-                      <a:srgbClr val="E6F0F2"/>
-                    </a:solidFill>
-                  </a:tcPr>
-                </a:tc>
-                <a:tc>
-                  <a:txBody>
-                    <a:bodyPr/>
-                    <a:p>
-                      <a:pPr marL="7620" indent="0" algn="ctr" fontAlgn="t"/>
-                      <a:endParaRPr lang="en-US" altLang="zh-CN" sz="1400" b="0" i="0">
-                        <a:solidFill>
-                          <a:srgbClr val="000000"/>
-                        </a:solidFill>
-                        <a:latin typeface="微软雅黑" panose="020B0503020204020204" charset="-122"/>
-                        <a:ea typeface="微软雅黑" panose="020B0503020204020204" charset="-122"/>
-                      </a:endParaRPr>
-                    </a:p>
-                  </a:txBody>
-                  <a:tcPr marL="7937" marR="7937" marT="7937" anchor="ctr" anchorCtr="0">
-                    <a:solidFill>
-                      <a:srgbClr val="E6F0F2"/>
-                    </a:solidFill>
-                  </a:tcPr>
-                </a:tc>
-                <a:tc>
-                  <a:txBody>
-                    <a:bodyPr/>
-                    <a:p>
-                      <a:pPr marL="7620" indent="0" algn="ctr" fontAlgn="t"/>
-                      <a:endParaRPr lang="en-US" altLang="zh-CN" sz="1400" b="0" i="0">
-                        <a:solidFill>
-                          <a:srgbClr val="000000"/>
-                        </a:solidFill>
-                        <a:latin typeface="微软雅黑" panose="020B0503020204020204" charset="-122"/>
-                        <a:ea typeface="微软雅黑" panose="020B0503020204020204" charset="-122"/>
-                      </a:endParaRPr>
-                    </a:p>
-                  </a:txBody>
-                  <a:tcPr marL="7937" marR="7937" marT="7937" anchor="ctr" anchorCtr="0">
+                  <a:tcPr marL="0" marR="0" marT="0" marB="0" anchor="ctr" anchorCtr="0">
+                    <a:solidFill>
+                      <a:srgbClr val="E6F0F2"/>
+                    </a:solidFill>
+                  </a:tcPr>
+                </a:tc>
+                <a:tc>
+                  <a:txBody>
+                    <a:bodyPr/>
+                    <a:p>
+                      <a:pPr marL="7620" indent="0" algn="ctr" fontAlgn="t"/>
+                      <a:endParaRPr lang="en-US" altLang="zh-CN" sz="1400" b="0" i="0">
+                        <a:solidFill>
+                          <a:srgbClr val="000000"/>
+                        </a:solidFill>
+                        <a:latin typeface="微软雅黑" panose="020B0503020204020204" charset="-122"/>
+                        <a:ea typeface="微软雅黑" panose="020B0503020204020204" charset="-122"/>
+                      </a:endParaRPr>
+                    </a:p>
+                  </a:txBody>
+                  <a:tcPr marL="0" marR="0" marT="0" marB="0" anchor="ctr" anchorCtr="0">
+                    <a:solidFill>
+                      <a:srgbClr val="E6F0F2"/>
+                    </a:solidFill>
+                  </a:tcPr>
+                </a:tc>
+                <a:tc>
+                  <a:txBody>
+                    <a:bodyPr/>
+                    <a:p>
+                      <a:pPr marL="7620" indent="0" algn="ctr" fontAlgn="t"/>
+                      <a:endParaRPr lang="en-US" altLang="zh-CN" sz="1400" b="0" i="0">
+                        <a:solidFill>
+                          <a:srgbClr val="000000"/>
+                        </a:solidFill>
+                        <a:latin typeface="微软雅黑" panose="020B0503020204020204" charset="-122"/>
+                        <a:ea typeface="微软雅黑" panose="020B0503020204020204" charset="-122"/>
+                      </a:endParaRPr>
+                    </a:p>
+                  </a:txBody>
+                  <a:tcPr marL="0" marR="0" marT="0" marB="0" anchor="ctr" anchorCtr="0">
+                    <a:solidFill>
+                      <a:srgbClr val="E6F0F2"/>
+                    </a:solidFill>
+                  </a:tcPr>
+                </a:tc>
+                <a:tc>
+                  <a:txBody>
+                    <a:bodyPr/>
+                    <a:p>
+                      <a:pPr marL="7620" indent="0" algn="ctr" fontAlgn="t"/>
+                      <a:endParaRPr lang="en-US" altLang="zh-CN" sz="1400" b="0" i="0">
+                        <a:solidFill>
+                          <a:srgbClr val="000000"/>
+                        </a:solidFill>
+                        <a:latin typeface="微软雅黑" panose="020B0503020204020204" charset="-122"/>
+                        <a:ea typeface="微软雅黑" panose="020B0503020204020204" charset="-122"/>
+                      </a:endParaRPr>
+                    </a:p>
+                  </a:txBody>
+                  <a:tcPr marL="0" marR="0" marT="0" marB="0" anchor="ctr" anchorCtr="0">
                     <a:solidFill>
                       <a:srgbClr val="E6F0F2"/>
                     </a:solidFill>
@@ -1518,7 +1518,7 @@
                       </a:endParaRPr>
                     </a:p>
                   </a:txBody>
-                  <a:tcPr marL="7937" marR="7937" marT="7937" anchor="ctr" anchorCtr="0">
+                  <a:tcPr marL="0" marR="0" marT="0" marB="0" anchor="ctr" anchorCtr="0">
                     <a:solidFill>
                       <a:srgbClr val="E6F0F2"/>
                     </a:solidFill>
@@ -1542,67 +1542,67 @@
                       </a:endParaRPr>
                     </a:p>
                   </a:txBody>
-                  <a:tcPr marL="68580" marR="68580" anchor="ctr" anchorCtr="0">
-                    <a:solidFill>
-                      <a:srgbClr val="E6F0F2"/>
-                    </a:solidFill>
-                  </a:tcPr>
-                </a:tc>
-                <a:tc>
-                  <a:txBody>
-                    <a:bodyPr/>
-                    <a:p>
-                      <a:pPr marL="7620" indent="0" algn="ctr" fontAlgn="t"/>
-                      <a:endParaRPr lang="en-US" altLang="zh-CN" sz="1400" b="0" i="0">
-                        <a:solidFill>
-                          <a:srgbClr val="000000"/>
-                        </a:solidFill>
-                        <a:latin typeface="微软雅黑" panose="020B0503020204020204" charset="-122"/>
-                        <a:ea typeface="微软雅黑" panose="020B0503020204020204" charset="-122"/>
-                      </a:endParaRPr>
-                    </a:p>
-                  </a:txBody>
-                  <a:tcPr marL="7937" marR="7937" marT="7937" anchor="ctr" anchorCtr="0">
-                    <a:solidFill>
-                      <a:srgbClr val="E6F0F2"/>
-                    </a:solidFill>
-                  </a:tcPr>
-                </a:tc>
-                <a:tc>
-                  <a:txBody>
-                    <a:bodyPr/>
-                    <a:p>
-                      <a:pPr marL="7620" indent="0" algn="ctr" fontAlgn="t"/>
-                      <a:endParaRPr lang="en-US" altLang="zh-CN" sz="1400" b="0" i="0">
-                        <a:solidFill>
-                          <a:srgbClr val="000000"/>
-                        </a:solidFill>
-                        <a:latin typeface="微软雅黑" panose="020B0503020204020204" charset="-122"/>
-                        <a:ea typeface="微软雅黑" panose="020B0503020204020204" charset="-122"/>
-                      </a:endParaRPr>
-                    </a:p>
-                  </a:txBody>
-                  <a:tcPr marL="7937" marR="7937" marT="7937" anchor="ctr" anchorCtr="0">
-                    <a:solidFill>
-                      <a:srgbClr val="E6F0F2"/>
-                    </a:solidFill>
-                  </a:tcPr>
-                </a:tc>
-                <a:tc>
-                  <a:txBody>
-                    <a:bodyPr/>
-                    <a:p>
-                      <a:pPr marL="7620" indent="0" algn="ctr" fontAlgn="t"/>
-                      <a:endParaRPr lang="en-US" altLang="zh-CN" sz="1400" b="0" i="0">
-                        <a:solidFill>
-                          <a:srgbClr val="000000"/>
-                        </a:solidFill>
-                        <a:latin typeface="微软雅黑" panose="020B0503020204020204" charset="-122"/>
-                        <a:ea typeface="微软雅黑" panose="020B0503020204020204" charset="-122"/>
-                      </a:endParaRPr>
-                    </a:p>
-                  </a:txBody>
-                  <a:tcPr marL="7937" marR="7937" marT="7937" anchor="ctr" anchorCtr="0">
+                  <a:tcPr marL="0" marR="0" marT="0" marB="0" anchor="ctr" anchorCtr="0">
+                    <a:solidFill>
+                      <a:srgbClr val="E6F0F2"/>
+                    </a:solidFill>
+                  </a:tcPr>
+                </a:tc>
+                <a:tc>
+                  <a:txBody>
+                    <a:bodyPr/>
+                    <a:p>
+                      <a:pPr marL="7620" indent="0" algn="ctr" fontAlgn="t"/>
+                      <a:endParaRPr lang="en-US" altLang="zh-CN" sz="1400" b="0" i="0">
+                        <a:solidFill>
+                          <a:srgbClr val="000000"/>
+                        </a:solidFill>
+                        <a:latin typeface="微软雅黑" panose="020B0503020204020204" charset="-122"/>
+                        <a:ea typeface="微软雅黑" panose="020B0503020204020204" charset="-122"/>
+                      </a:endParaRPr>
+                    </a:p>
+                  </a:txBody>
+                  <a:tcPr marL="0" marR="0" marT="0" marB="0" anchor="ctr" anchorCtr="0">
+                    <a:solidFill>
+                      <a:srgbClr val="E6F0F2"/>
+                    </a:solidFill>
+                  </a:tcPr>
+                </a:tc>
+                <a:tc>
+                  <a:txBody>
+                    <a:bodyPr/>
+                    <a:p>
+                      <a:pPr marL="7620" indent="0" algn="ctr" fontAlgn="t"/>
+                      <a:endParaRPr lang="en-US" altLang="zh-CN" sz="1400" b="0" i="0">
+                        <a:solidFill>
+                          <a:srgbClr val="000000"/>
+                        </a:solidFill>
+                        <a:latin typeface="微软雅黑" panose="020B0503020204020204" charset="-122"/>
+                        <a:ea typeface="微软雅黑" panose="020B0503020204020204" charset="-122"/>
+                      </a:endParaRPr>
+                    </a:p>
+                  </a:txBody>
+                  <a:tcPr marL="0" marR="0" marT="0" marB="0" anchor="ctr" anchorCtr="0">
+                    <a:solidFill>
+                      <a:srgbClr val="E6F0F2"/>
+                    </a:solidFill>
+                  </a:tcPr>
+                </a:tc>
+                <a:tc>
+                  <a:txBody>
+                    <a:bodyPr/>
+                    <a:p>
+                      <a:pPr marL="7620" indent="0" algn="ctr" fontAlgn="t"/>
+                      <a:endParaRPr lang="en-US" altLang="zh-CN" sz="1400" b="0" i="0">
+                        <a:solidFill>
+                          <a:srgbClr val="000000"/>
+                        </a:solidFill>
+                        <a:latin typeface="微软雅黑" panose="020B0503020204020204" charset="-122"/>
+                        <a:ea typeface="微软雅黑" panose="020B0503020204020204" charset="-122"/>
+                      </a:endParaRPr>
+                    </a:p>
+                  </a:txBody>
+                  <a:tcPr marL="0" marR="0" marT="0" marB="0" anchor="ctr" anchorCtr="0">
                     <a:solidFill>
                       <a:srgbClr val="E6F0F2"/>
                     </a:solidFill>
@@ -1622,7 +1622,7 @@
                       </a:endParaRPr>
                     </a:p>
                   </a:txBody>
-                  <a:tcPr marL="7937" marR="7937" marT="7937" anchor="ctr" anchorCtr="0">
+                  <a:tcPr marL="0" marR="0" marT="0" marB="0" anchor="ctr" anchorCtr="0">
                     <a:solidFill>
                       <a:srgbClr val="E6F0F2"/>
                     </a:solidFill>
@@ -1688,7 +1688,7 @@
                       </a:endParaRPr>
                     </a:p>
                   </a:txBody>
-                  <a:tcPr marL="68580" marR="68580" anchor="ctr" anchorCtr="0">
+                  <a:tcPr marL="0" marR="0" marT="0" marB="0" anchor="ctr" anchorCtr="0">
                     <a:solidFill>
                       <a:srgbClr val="E6F0F2"/>
                     </a:solidFill>
@@ -1716,7 +1716,7 @@
                       </a:endParaRPr>
                     </a:p>
                   </a:txBody>
-                  <a:tcPr marL="7937" marR="7937" marT="7937" anchor="ctr" anchorCtr="0">
+                  <a:tcPr marL="0" marR="0" marT="0" marB="0" anchor="ctr" anchorCtr="0">
                     <a:solidFill>
                       <a:srgbClr val="E6F0F2"/>
                     </a:solidFill>
@@ -1737,7 +1737,7 @@
                       </a:endParaRPr>
                     </a:p>
                   </a:txBody>
-                  <a:tcPr marL="7937" marR="7937" marT="7937" anchor="ctr" anchorCtr="0">
+                  <a:tcPr marL="0" marR="0" marT="0" marB="0" anchor="ctr" anchorCtr="0">
                     <a:solidFill>
                       <a:srgbClr val="E6F0F2"/>
                     </a:solidFill>
@@ -1758,7 +1758,7 @@
                       </a:endParaRPr>
                     </a:p>
                   </a:txBody>
-                  <a:tcPr marL="7937" marR="7937" marT="7937" anchor="ctr" anchorCtr="0">
+                  <a:tcPr marL="0" marR="0" marT="0" marB="0" anchor="ctr" anchorCtr="0">
                     <a:solidFill>
                       <a:srgbClr val="E6F0F2"/>
                     </a:solidFill>
@@ -1779,7 +1779,7 @@
                       </a:endParaRPr>
                     </a:p>
                   </a:txBody>
-                  <a:tcPr marL="68580" marR="68580" anchor="ctr" anchorCtr="0">
+                  <a:tcPr marL="0" marR="0" marT="0" marB="0" anchor="ctr" anchorCtr="0">
                     <a:solidFill>
                       <a:srgbClr val="E6F0F2"/>
                     </a:solidFill>
@@ -1798,67 +1798,67 @@
                       </a:endParaRPr>
                     </a:p>
                   </a:txBody>
-                  <a:tcPr marL="68580" marR="68580" anchor="ctr" anchorCtr="0">
-                    <a:solidFill>
-                      <a:srgbClr val="E6F0F2"/>
-                    </a:solidFill>
-                  </a:tcPr>
-                </a:tc>
-                <a:tc>
-                  <a:txBody>
-                    <a:bodyPr/>
-                    <a:p>
-                      <a:pPr marL="7620" indent="0" algn="ctr" fontAlgn="t"/>
-                      <a:endParaRPr lang="en-US" altLang="zh-CN" sz="1400" b="0" i="0">
-                        <a:solidFill>
-                          <a:srgbClr val="000000"/>
-                        </a:solidFill>
-                        <a:latin typeface="微软雅黑" panose="020B0503020204020204" charset="-122"/>
-                        <a:ea typeface="微软雅黑" panose="020B0503020204020204" charset="-122"/>
-                      </a:endParaRPr>
-                    </a:p>
-                  </a:txBody>
-                  <a:tcPr marL="7937" marR="7937" marT="7937" anchor="ctr" anchorCtr="0">
-                    <a:solidFill>
-                      <a:srgbClr val="E6F0F2"/>
-                    </a:solidFill>
-                  </a:tcPr>
-                </a:tc>
-                <a:tc>
-                  <a:txBody>
-                    <a:bodyPr/>
-                    <a:p>
-                      <a:pPr marL="7620" indent="0" algn="ctr" fontAlgn="t"/>
-                      <a:endParaRPr lang="en-US" altLang="zh-CN" sz="1400" b="0" i="0">
-                        <a:solidFill>
-                          <a:srgbClr val="000000"/>
-                        </a:solidFill>
-                        <a:latin typeface="微软雅黑" panose="020B0503020204020204" charset="-122"/>
-                        <a:ea typeface="微软雅黑" panose="020B0503020204020204" charset="-122"/>
-                      </a:endParaRPr>
-                    </a:p>
-                  </a:txBody>
-                  <a:tcPr marL="7937" marR="7937" marT="7937" anchor="ctr" anchorCtr="0">
-                    <a:solidFill>
-                      <a:srgbClr val="E6F0F2"/>
-                    </a:solidFill>
-                  </a:tcPr>
-                </a:tc>
-                <a:tc>
-                  <a:txBody>
-                    <a:bodyPr/>
-                    <a:p>
-                      <a:pPr marL="7620" indent="0" algn="ctr" fontAlgn="t"/>
-                      <a:endParaRPr lang="en-US" altLang="zh-CN" sz="1400" b="0" i="0">
-                        <a:solidFill>
-                          <a:srgbClr val="000000"/>
-                        </a:solidFill>
-                        <a:latin typeface="微软雅黑" panose="020B0503020204020204" charset="-122"/>
-                        <a:ea typeface="微软雅黑" panose="020B0503020204020204" charset="-122"/>
-                      </a:endParaRPr>
-                    </a:p>
-                  </a:txBody>
-                  <a:tcPr marL="7937" marR="7937" marT="7937" anchor="ctr" anchorCtr="0">
+                  <a:tcPr marL="0" marR="0" marT="0" marB="0" anchor="ctr" anchorCtr="0">
+                    <a:solidFill>
+                      <a:srgbClr val="E6F0F2"/>
+                    </a:solidFill>
+                  </a:tcPr>
+                </a:tc>
+                <a:tc>
+                  <a:txBody>
+                    <a:bodyPr/>
+                    <a:p>
+                      <a:pPr marL="7620" indent="0" algn="ctr" fontAlgn="t"/>
+                      <a:endParaRPr lang="en-US" altLang="zh-CN" sz="1400" b="0" i="0">
+                        <a:solidFill>
+                          <a:srgbClr val="000000"/>
+                        </a:solidFill>
+                        <a:latin typeface="微软雅黑" panose="020B0503020204020204" charset="-122"/>
+                        <a:ea typeface="微软雅黑" panose="020B0503020204020204" charset="-122"/>
+                      </a:endParaRPr>
+                    </a:p>
+                  </a:txBody>
+                  <a:tcPr marL="0" marR="0" marT="0" marB="0" anchor="ctr" anchorCtr="0">
+                    <a:solidFill>
+                      <a:srgbClr val="E6F0F2"/>
+                    </a:solidFill>
+                  </a:tcPr>
+                </a:tc>
+                <a:tc>
+                  <a:txBody>
+                    <a:bodyPr/>
+                    <a:p>
+                      <a:pPr marL="7620" indent="0" algn="ctr" fontAlgn="t"/>
+                      <a:endParaRPr lang="en-US" altLang="zh-CN" sz="1400" b="0" i="0">
+                        <a:solidFill>
+                          <a:srgbClr val="000000"/>
+                        </a:solidFill>
+                        <a:latin typeface="微软雅黑" panose="020B0503020204020204" charset="-122"/>
+                        <a:ea typeface="微软雅黑" panose="020B0503020204020204" charset="-122"/>
+                      </a:endParaRPr>
+                    </a:p>
+                  </a:txBody>
+                  <a:tcPr marL="0" marR="0" marT="0" marB="0" anchor="ctr" anchorCtr="0">
+                    <a:solidFill>
+                      <a:srgbClr val="E6F0F2"/>
+                    </a:solidFill>
+                  </a:tcPr>
+                </a:tc>
+                <a:tc>
+                  <a:txBody>
+                    <a:bodyPr/>
+                    <a:p>
+                      <a:pPr marL="7620" indent="0" algn="ctr" fontAlgn="t"/>
+                      <a:endParaRPr lang="en-US" altLang="zh-CN" sz="1400" b="0" i="0">
+                        <a:solidFill>
+                          <a:srgbClr val="000000"/>
+                        </a:solidFill>
+                        <a:latin typeface="微软雅黑" panose="020B0503020204020204" charset="-122"/>
+                        <a:ea typeface="微软雅黑" panose="020B0503020204020204" charset="-122"/>
+                      </a:endParaRPr>
+                    </a:p>
+                  </a:txBody>
+                  <a:tcPr marL="0" marR="0" marT="0" marB="0" anchor="ctr" anchorCtr="0">
                     <a:solidFill>
                       <a:srgbClr val="E6F0F2"/>
                     </a:solidFill>
@@ -1878,7 +1878,7 @@
                       </a:endParaRPr>
                     </a:p>
                   </a:txBody>
-                  <a:tcPr marL="7937" marR="7937" marT="7937" anchor="ctr" anchorCtr="0">
+                  <a:tcPr marL="0" marR="0" marT="0" marB="0" anchor="ctr" anchorCtr="0">
                     <a:solidFill>
                       <a:srgbClr val="E6F0F2"/>
                     </a:solidFill>
@@ -1904,67 +1904,67 @@
                       </a:endParaRPr>
                     </a:p>
                   </a:txBody>
-                  <a:tcPr marL="68580" marR="68580" anchor="ctr" anchorCtr="0">
-                    <a:solidFill>
-                      <a:srgbClr val="E6F0F2"/>
-                    </a:solidFill>
-                  </a:tcPr>
-                </a:tc>
-                <a:tc>
-                  <a:txBody>
-                    <a:bodyPr/>
-                    <a:p>
-                      <a:pPr marL="7620" indent="0" algn="ctr" fontAlgn="t"/>
-                      <a:endParaRPr lang="en-US" altLang="zh-CN" sz="1400" b="0" i="0">
-                        <a:solidFill>
-                          <a:srgbClr val="000000"/>
-                        </a:solidFill>
-                        <a:latin typeface="微软雅黑" panose="020B0503020204020204" charset="-122"/>
-                        <a:ea typeface="微软雅黑" panose="020B0503020204020204" charset="-122"/>
-                      </a:endParaRPr>
-                    </a:p>
-                  </a:txBody>
-                  <a:tcPr marL="7937" marR="7937" marT="7937" anchor="ctr" anchorCtr="0">
-                    <a:solidFill>
-                      <a:srgbClr val="E6F0F2"/>
-                    </a:solidFill>
-                  </a:tcPr>
-                </a:tc>
-                <a:tc>
-                  <a:txBody>
-                    <a:bodyPr/>
-                    <a:p>
-                      <a:pPr marL="7620" indent="0" algn="ctr" fontAlgn="t"/>
-                      <a:endParaRPr lang="en-US" altLang="zh-CN" sz="1400" b="0" i="0">
-                        <a:solidFill>
-                          <a:srgbClr val="000000"/>
-                        </a:solidFill>
-                        <a:latin typeface="微软雅黑" panose="020B0503020204020204" charset="-122"/>
-                        <a:ea typeface="微软雅黑" panose="020B0503020204020204" charset="-122"/>
-                      </a:endParaRPr>
-                    </a:p>
-                  </a:txBody>
-                  <a:tcPr marL="7937" marR="7937" marT="7937" anchor="ctr" anchorCtr="0">
-                    <a:solidFill>
-                      <a:srgbClr val="E6F0F2"/>
-                    </a:solidFill>
-                  </a:tcPr>
-                </a:tc>
-                <a:tc>
-                  <a:txBody>
-                    <a:bodyPr/>
-                    <a:p>
-                      <a:pPr marL="7620" indent="0" algn="ctr" fontAlgn="t"/>
-                      <a:endParaRPr lang="en-US" altLang="zh-CN" sz="1400" b="0" i="0">
-                        <a:solidFill>
-                          <a:srgbClr val="000000"/>
-                        </a:solidFill>
-                        <a:latin typeface="微软雅黑" panose="020B0503020204020204" charset="-122"/>
-                        <a:ea typeface="微软雅黑" panose="020B0503020204020204" charset="-122"/>
-                      </a:endParaRPr>
-                    </a:p>
-                  </a:txBody>
-                  <a:tcPr marL="7937" marR="7937" marT="7937" anchor="ctr" anchorCtr="0">
+                  <a:tcPr marL="0" marR="0" marT="0" marB="0" anchor="ctr" anchorCtr="0">
+                    <a:solidFill>
+                      <a:srgbClr val="E6F0F2"/>
+                    </a:solidFill>
+                  </a:tcPr>
+                </a:tc>
+                <a:tc>
+                  <a:txBody>
+                    <a:bodyPr/>
+                    <a:p>
+                      <a:pPr marL="7620" indent="0" algn="ctr" fontAlgn="t"/>
+                      <a:endParaRPr lang="en-US" altLang="zh-CN" sz="1400" b="0" i="0">
+                        <a:solidFill>
+                          <a:srgbClr val="000000"/>
+                        </a:solidFill>
+                        <a:latin typeface="微软雅黑" panose="020B0503020204020204" charset="-122"/>
+                        <a:ea typeface="微软雅黑" panose="020B0503020204020204" charset="-122"/>
+                      </a:endParaRPr>
+                    </a:p>
+                  </a:txBody>
+                  <a:tcPr marL="0" marR="0" marT="0" marB="0" anchor="ctr" anchorCtr="0">
+                    <a:solidFill>
+                      <a:srgbClr val="E6F0F2"/>
+                    </a:solidFill>
+                  </a:tcPr>
+                </a:tc>
+                <a:tc>
+                  <a:txBody>
+                    <a:bodyPr/>
+                    <a:p>
+                      <a:pPr marL="7620" indent="0" algn="ctr" fontAlgn="t"/>
+                      <a:endParaRPr lang="en-US" altLang="zh-CN" sz="1400" b="0" i="0">
+                        <a:solidFill>
+                          <a:srgbClr val="000000"/>
+                        </a:solidFill>
+                        <a:latin typeface="微软雅黑" panose="020B0503020204020204" charset="-122"/>
+                        <a:ea typeface="微软雅黑" panose="020B0503020204020204" charset="-122"/>
+                      </a:endParaRPr>
+                    </a:p>
+                  </a:txBody>
+                  <a:tcPr marL="0" marR="0" marT="0" marB="0" anchor="ctr" anchorCtr="0">
+                    <a:solidFill>
+                      <a:srgbClr val="E6F0F2"/>
+                    </a:solidFill>
+                  </a:tcPr>
+                </a:tc>
+                <a:tc>
+                  <a:txBody>
+                    <a:bodyPr/>
+                    <a:p>
+                      <a:pPr marL="7620" indent="0" algn="ctr" fontAlgn="t"/>
+                      <a:endParaRPr lang="en-US" altLang="zh-CN" sz="1400" b="0" i="0">
+                        <a:solidFill>
+                          <a:srgbClr val="000000"/>
+                        </a:solidFill>
+                        <a:latin typeface="微软雅黑" panose="020B0503020204020204" charset="-122"/>
+                        <a:ea typeface="微软雅黑" panose="020B0503020204020204" charset="-122"/>
+                      </a:endParaRPr>
+                    </a:p>
+                  </a:txBody>
+                  <a:tcPr marL="0" marR="0" marT="0" marB="0" anchor="ctr" anchorCtr="0">
                     <a:solidFill>
                       <a:srgbClr val="E6F0F2"/>
                     </a:solidFill>
@@ -1984,7 +1984,7 @@
                       </a:endParaRPr>
                     </a:p>
                   </a:txBody>
-                  <a:tcPr marL="7937" marR="7937" marT="7937" anchor="ctr" anchorCtr="0">
+                  <a:tcPr marL="0" marR="0" marT="0" marB="0" anchor="ctr" anchorCtr="0">
                     <a:solidFill>
                       <a:srgbClr val="E6F0F2"/>
                     </a:solidFill>
@@ -2008,67 +2008,67 @@
                       </a:endParaRPr>
                     </a:p>
                   </a:txBody>
-                  <a:tcPr marL="68580" marR="68580" anchor="ctr" anchorCtr="0">
-                    <a:solidFill>
-                      <a:srgbClr val="E6F0F2"/>
-                    </a:solidFill>
-                  </a:tcPr>
-                </a:tc>
-                <a:tc>
-                  <a:txBody>
-                    <a:bodyPr/>
-                    <a:p>
-                      <a:pPr marL="7620" indent="0" algn="ctr" fontAlgn="t"/>
-                      <a:endParaRPr lang="en-US" altLang="zh-CN" sz="1400" b="0" i="0">
-                        <a:solidFill>
-                          <a:srgbClr val="000000"/>
-                        </a:solidFill>
-                        <a:latin typeface="微软雅黑" panose="020B0503020204020204" charset="-122"/>
-                        <a:ea typeface="微软雅黑" panose="020B0503020204020204" charset="-122"/>
-                      </a:endParaRPr>
-                    </a:p>
-                  </a:txBody>
-                  <a:tcPr marL="7937" marR="7937" marT="7937" anchor="ctr" anchorCtr="0">
-                    <a:solidFill>
-                      <a:srgbClr val="E6F0F2"/>
-                    </a:solidFill>
-                  </a:tcPr>
-                </a:tc>
-                <a:tc>
-                  <a:txBody>
-                    <a:bodyPr/>
-                    <a:p>
-                      <a:pPr marL="7620" indent="0" algn="ctr" fontAlgn="t"/>
-                      <a:endParaRPr lang="en-US" altLang="zh-CN" sz="1400" b="0" i="0">
-                        <a:solidFill>
-                          <a:srgbClr val="000000"/>
-                        </a:solidFill>
-                        <a:latin typeface="微软雅黑" panose="020B0503020204020204" charset="-122"/>
-                        <a:ea typeface="微软雅黑" panose="020B0503020204020204" charset="-122"/>
-                      </a:endParaRPr>
-                    </a:p>
-                  </a:txBody>
-                  <a:tcPr marL="7937" marR="7937" marT="7937" anchor="ctr" anchorCtr="0">
-                    <a:solidFill>
-                      <a:srgbClr val="E6F0F2"/>
-                    </a:solidFill>
-                  </a:tcPr>
-                </a:tc>
-                <a:tc>
-                  <a:txBody>
-                    <a:bodyPr/>
-                    <a:p>
-                      <a:pPr marL="7620" indent="0" algn="ctr" fontAlgn="t"/>
-                      <a:endParaRPr lang="en-US" altLang="zh-CN" sz="1400" b="0" i="0">
-                        <a:solidFill>
-                          <a:srgbClr val="000000"/>
-                        </a:solidFill>
-                        <a:latin typeface="微软雅黑" panose="020B0503020204020204" charset="-122"/>
-                        <a:ea typeface="微软雅黑" panose="020B0503020204020204" charset="-122"/>
-                      </a:endParaRPr>
-                    </a:p>
-                  </a:txBody>
-                  <a:tcPr marL="7937" marR="7937" marT="7937" anchor="ctr" anchorCtr="0">
+                  <a:tcPr marL="0" marR="0" marT="0" marB="0" anchor="ctr" anchorCtr="0">
+                    <a:solidFill>
+                      <a:srgbClr val="E6F0F2"/>
+                    </a:solidFill>
+                  </a:tcPr>
+                </a:tc>
+                <a:tc>
+                  <a:txBody>
+                    <a:bodyPr/>
+                    <a:p>
+                      <a:pPr marL="7620" indent="0" algn="ctr" fontAlgn="t"/>
+                      <a:endParaRPr lang="en-US" altLang="zh-CN" sz="1400" b="0" i="0">
+                        <a:solidFill>
+                          <a:srgbClr val="000000"/>
+                        </a:solidFill>
+                        <a:latin typeface="微软雅黑" panose="020B0503020204020204" charset="-122"/>
+                        <a:ea typeface="微软雅黑" panose="020B0503020204020204" charset="-122"/>
+                      </a:endParaRPr>
+                    </a:p>
+                  </a:txBody>
+                  <a:tcPr marL="0" marR="0" marT="0" marB="0" anchor="ctr" anchorCtr="0">
+                    <a:solidFill>
+                      <a:srgbClr val="E6F0F2"/>
+                    </a:solidFill>
+                  </a:tcPr>
+                </a:tc>
+                <a:tc>
+                  <a:txBody>
+                    <a:bodyPr/>
+                    <a:p>
+                      <a:pPr marL="7620" indent="0" algn="ctr" fontAlgn="t"/>
+                      <a:endParaRPr lang="en-US" altLang="zh-CN" sz="1400" b="0" i="0">
+                        <a:solidFill>
+                          <a:srgbClr val="000000"/>
+                        </a:solidFill>
+                        <a:latin typeface="微软雅黑" panose="020B0503020204020204" charset="-122"/>
+                        <a:ea typeface="微软雅黑" panose="020B0503020204020204" charset="-122"/>
+                      </a:endParaRPr>
+                    </a:p>
+                  </a:txBody>
+                  <a:tcPr marL="0" marR="0" marT="0" marB="0" anchor="ctr" anchorCtr="0">
+                    <a:solidFill>
+                      <a:srgbClr val="E6F0F2"/>
+                    </a:solidFill>
+                  </a:tcPr>
+                </a:tc>
+                <a:tc>
+                  <a:txBody>
+                    <a:bodyPr/>
+                    <a:p>
+                      <a:pPr marL="7620" indent="0" algn="ctr" fontAlgn="t"/>
+                      <a:endParaRPr lang="en-US" altLang="zh-CN" sz="1400" b="0" i="0">
+                        <a:solidFill>
+                          <a:srgbClr val="000000"/>
+                        </a:solidFill>
+                        <a:latin typeface="微软雅黑" panose="020B0503020204020204" charset="-122"/>
+                        <a:ea typeface="微软雅黑" panose="020B0503020204020204" charset="-122"/>
+                      </a:endParaRPr>
+                    </a:p>
+                  </a:txBody>
+                  <a:tcPr marL="0" marR="0" marT="0" marB="0" anchor="ctr" anchorCtr="0">
                     <a:solidFill>
                       <a:srgbClr val="E6F0F2"/>
                     </a:solidFill>
@@ -2088,7 +2088,7 @@
                       </a:endParaRPr>
                     </a:p>
                   </a:txBody>
-                  <a:tcPr marL="7937" marR="7937" marT="7937" anchor="ctr" anchorCtr="0">
+                  <a:tcPr marL="0" marR="0" marT="0" marB="0" anchor="ctr" anchorCtr="0">
                     <a:solidFill>
                       <a:srgbClr val="E6F0F2"/>
                     </a:solidFill>
@@ -2148,7 +2148,7 @@
                       </a:endParaRPr>
                     </a:p>
                   </a:txBody>
-                  <a:tcPr marL="68580" marR="68580" anchor="ctr" anchorCtr="0">
+                  <a:tcPr marL="0" marR="0" marT="0" marB="0" anchor="ctr" anchorCtr="0">
                     <a:solidFill>
                       <a:srgbClr val="E6F0F2"/>
                     </a:solidFill>
@@ -2176,7 +2176,7 @@
                       </a:endParaRPr>
                     </a:p>
                   </a:txBody>
-                  <a:tcPr marL="7937" marR="7937" marT="7937" anchor="ctr" anchorCtr="0">
+                  <a:tcPr marL="0" marR="0" marT="0" marB="0" anchor="ctr" anchorCtr="0">
                     <a:solidFill>
                       <a:srgbClr val="E6F0F2"/>
                     </a:solidFill>
@@ -2197,7 +2197,7 @@
                       </a:endParaRPr>
                     </a:p>
                   </a:txBody>
-                  <a:tcPr marL="7937" marR="7937" marT="7937" anchor="ctr" anchorCtr="0">
+                  <a:tcPr marL="0" marR="0" marT="0" marB="0" anchor="ctr" anchorCtr="0">
                     <a:solidFill>
                       <a:srgbClr val="E6F0F2"/>
                     </a:solidFill>
@@ -2218,7 +2218,7 @@
                       </a:endParaRPr>
                     </a:p>
                   </a:txBody>
-                  <a:tcPr marL="7937" marR="7937" marT="7937" anchor="ctr" anchorCtr="0">
+                  <a:tcPr marL="0" marR="0" marT="0" marB="0" anchor="ctr" anchorCtr="0">
                     <a:solidFill>
                       <a:srgbClr val="E6F0F2"/>
                     </a:solidFill>
@@ -2238,7 +2238,7 @@
                       </a:endParaRPr>
                     </a:p>
                   </a:txBody>
-                  <a:tcPr marL="68580" marR="68580" anchor="ctr" anchorCtr="0">
+                  <a:tcPr marL="0" marR="0" marT="0" marB="0" anchor="ctr" anchorCtr="0">
                     <a:solidFill>
                       <a:srgbClr val="E6F0F2"/>
                     </a:solidFill>
@@ -2257,67 +2257,67 @@
                       </a:endParaRPr>
                     </a:p>
                   </a:txBody>
-                  <a:tcPr marL="68580" marR="68580" anchor="ctr" anchorCtr="0">
-                    <a:solidFill>
-                      <a:srgbClr val="E6F0F2"/>
-                    </a:solidFill>
-                  </a:tcPr>
-                </a:tc>
-                <a:tc>
-                  <a:txBody>
-                    <a:bodyPr/>
-                    <a:p>
-                      <a:pPr marL="7620" indent="0" algn="ctr" fontAlgn="t"/>
-                      <a:endParaRPr lang="en-US" altLang="zh-CN" sz="1400" b="0" i="0">
-                        <a:solidFill>
-                          <a:srgbClr val="000000"/>
-                        </a:solidFill>
-                        <a:latin typeface="微软雅黑" panose="020B0503020204020204" charset="-122"/>
-                        <a:ea typeface="微软雅黑" panose="020B0503020204020204" charset="-122"/>
-                      </a:endParaRPr>
-                    </a:p>
-                  </a:txBody>
-                  <a:tcPr marL="7937" marR="7937" marT="7937" anchor="ctr" anchorCtr="0">
-                    <a:solidFill>
-                      <a:srgbClr val="E6F0F2"/>
-                    </a:solidFill>
-                  </a:tcPr>
-                </a:tc>
-                <a:tc>
-                  <a:txBody>
-                    <a:bodyPr/>
-                    <a:p>
-                      <a:pPr marL="7620" indent="0" algn="ctr" fontAlgn="t"/>
-                      <a:endParaRPr lang="en-US" altLang="zh-CN" sz="1400" b="0" i="0">
-                        <a:solidFill>
-                          <a:srgbClr val="000000"/>
-                        </a:solidFill>
-                        <a:latin typeface="微软雅黑" panose="020B0503020204020204" charset="-122"/>
-                        <a:ea typeface="微软雅黑" panose="020B0503020204020204" charset="-122"/>
-                      </a:endParaRPr>
-                    </a:p>
-                  </a:txBody>
-                  <a:tcPr marL="7937" marR="7937" marT="7937" anchor="ctr" anchorCtr="0">
-                    <a:solidFill>
-                      <a:srgbClr val="E6F0F2"/>
-                    </a:solidFill>
-                  </a:tcPr>
-                </a:tc>
-                <a:tc>
-                  <a:txBody>
-                    <a:bodyPr/>
-                    <a:p>
-                      <a:pPr marL="7620" indent="0" algn="ctr" fontAlgn="t"/>
-                      <a:endParaRPr lang="en-US" altLang="zh-CN" sz="1400" b="0" i="0">
-                        <a:solidFill>
-                          <a:srgbClr val="000000"/>
-                        </a:solidFill>
-                        <a:latin typeface="微软雅黑" panose="020B0503020204020204" charset="-122"/>
-                        <a:ea typeface="微软雅黑" panose="020B0503020204020204" charset="-122"/>
-                      </a:endParaRPr>
-                    </a:p>
-                  </a:txBody>
-                  <a:tcPr marL="7937" marR="7937" marT="7937" anchor="ctr" anchorCtr="0">
+                  <a:tcPr marL="0" marR="0" marT="0" marB="0" anchor="ctr" anchorCtr="0">
+                    <a:solidFill>
+                      <a:srgbClr val="E6F0F2"/>
+                    </a:solidFill>
+                  </a:tcPr>
+                </a:tc>
+                <a:tc>
+                  <a:txBody>
+                    <a:bodyPr/>
+                    <a:p>
+                      <a:pPr marL="7620" indent="0" algn="ctr" fontAlgn="t"/>
+                      <a:endParaRPr lang="en-US" altLang="zh-CN" sz="1400" b="0" i="0">
+                        <a:solidFill>
+                          <a:srgbClr val="000000"/>
+                        </a:solidFill>
+                        <a:latin typeface="微软雅黑" panose="020B0503020204020204" charset="-122"/>
+                        <a:ea typeface="微软雅黑" panose="020B0503020204020204" charset="-122"/>
+                      </a:endParaRPr>
+                    </a:p>
+                  </a:txBody>
+                  <a:tcPr marL="0" marR="0" marT="0" marB="0" anchor="ctr" anchorCtr="0">
+                    <a:solidFill>
+                      <a:srgbClr val="E6F0F2"/>
+                    </a:solidFill>
+                  </a:tcPr>
+                </a:tc>
+                <a:tc>
+                  <a:txBody>
+                    <a:bodyPr/>
+                    <a:p>
+                      <a:pPr marL="7620" indent="0" algn="ctr" fontAlgn="t"/>
+                      <a:endParaRPr lang="en-US" altLang="zh-CN" sz="1400" b="0" i="0">
+                        <a:solidFill>
+                          <a:srgbClr val="000000"/>
+                        </a:solidFill>
+                        <a:latin typeface="微软雅黑" panose="020B0503020204020204" charset="-122"/>
+                        <a:ea typeface="微软雅黑" panose="020B0503020204020204" charset="-122"/>
+                      </a:endParaRPr>
+                    </a:p>
+                  </a:txBody>
+                  <a:tcPr marL="0" marR="0" marT="0" marB="0" anchor="ctr" anchorCtr="0">
+                    <a:solidFill>
+                      <a:srgbClr val="E6F0F2"/>
+                    </a:solidFill>
+                  </a:tcPr>
+                </a:tc>
+                <a:tc>
+                  <a:txBody>
+                    <a:bodyPr/>
+                    <a:p>
+                      <a:pPr marL="7620" indent="0" algn="ctr" fontAlgn="t"/>
+                      <a:endParaRPr lang="en-US" altLang="zh-CN" sz="1400" b="0" i="0">
+                        <a:solidFill>
+                          <a:srgbClr val="000000"/>
+                        </a:solidFill>
+                        <a:latin typeface="微软雅黑" panose="020B0503020204020204" charset="-122"/>
+                        <a:ea typeface="微软雅黑" panose="020B0503020204020204" charset="-122"/>
+                      </a:endParaRPr>
+                    </a:p>
+                  </a:txBody>
+                  <a:tcPr marL="0" marR="0" marT="0" marB="0" anchor="ctr" anchorCtr="0">
                     <a:solidFill>
                       <a:srgbClr val="E6F0F2"/>
                     </a:solidFill>
@@ -2337,7 +2337,7 @@
                       </a:endParaRPr>
                     </a:p>
                   </a:txBody>
-                  <a:tcPr marL="7937" marR="7937" marT="7937" anchor="ctr" anchorCtr="0">
+                  <a:tcPr marL="0" marR="0" marT="0" marB="0" anchor="ctr" anchorCtr="0">
                     <a:solidFill>
                       <a:srgbClr val="E6F0F2"/>
                     </a:solidFill>
@@ -2363,67 +2363,67 @@
                       </a:endParaRPr>
                     </a:p>
                   </a:txBody>
-                  <a:tcPr marL="68580" marR="68580" anchor="ctr" anchorCtr="0">
-                    <a:solidFill>
-                      <a:srgbClr val="E6F0F2"/>
-                    </a:solidFill>
-                  </a:tcPr>
-                </a:tc>
-                <a:tc>
-                  <a:txBody>
-                    <a:bodyPr/>
-                    <a:p>
-                      <a:pPr marL="7620" indent="0" algn="ctr" fontAlgn="t"/>
-                      <a:endParaRPr lang="en-US" altLang="zh-CN" sz="1400" b="0" i="0">
-                        <a:solidFill>
-                          <a:srgbClr val="000000"/>
-                        </a:solidFill>
-                        <a:latin typeface="微软雅黑" panose="020B0503020204020204" charset="-122"/>
-                        <a:ea typeface="微软雅黑" panose="020B0503020204020204" charset="-122"/>
-                      </a:endParaRPr>
-                    </a:p>
-                  </a:txBody>
-                  <a:tcPr marL="7937" marR="7937" marT="7937" anchor="ctr" anchorCtr="0">
-                    <a:solidFill>
-                      <a:srgbClr val="E6F0F2"/>
-                    </a:solidFill>
-                  </a:tcPr>
-                </a:tc>
-                <a:tc>
-                  <a:txBody>
-                    <a:bodyPr/>
-                    <a:p>
-                      <a:pPr marL="7620" indent="0" algn="ctr" fontAlgn="t"/>
-                      <a:endParaRPr lang="en-US" altLang="zh-CN" sz="1400" b="0" i="0">
-                        <a:solidFill>
-                          <a:srgbClr val="000000"/>
-                        </a:solidFill>
-                        <a:latin typeface="微软雅黑" panose="020B0503020204020204" charset="-122"/>
-                        <a:ea typeface="微软雅黑" panose="020B0503020204020204" charset="-122"/>
-                      </a:endParaRPr>
-                    </a:p>
-                  </a:txBody>
-                  <a:tcPr marL="7937" marR="7937" marT="7937" anchor="ctr" anchorCtr="0">
-                    <a:solidFill>
-                      <a:srgbClr val="E6F0F2"/>
-                    </a:solidFill>
-                  </a:tcPr>
-                </a:tc>
-                <a:tc>
-                  <a:txBody>
-                    <a:bodyPr/>
-                    <a:p>
-                      <a:pPr marL="7620" indent="0" algn="ctr" fontAlgn="t"/>
-                      <a:endParaRPr lang="en-US" altLang="zh-CN" sz="1400" b="0" i="0">
-                        <a:solidFill>
-                          <a:srgbClr val="000000"/>
-                        </a:solidFill>
-                        <a:latin typeface="微软雅黑" panose="020B0503020204020204" charset="-122"/>
-                        <a:ea typeface="微软雅黑" panose="020B0503020204020204" charset="-122"/>
-                      </a:endParaRPr>
-                    </a:p>
-                  </a:txBody>
-                  <a:tcPr marL="7937" marR="7937" marT="7937" anchor="ctr" anchorCtr="0">
+                  <a:tcPr marL="0" marR="0" marT="0" marB="0" anchor="ctr" anchorCtr="0">
+                    <a:solidFill>
+                      <a:srgbClr val="E6F0F2"/>
+                    </a:solidFill>
+                  </a:tcPr>
+                </a:tc>
+                <a:tc>
+                  <a:txBody>
+                    <a:bodyPr/>
+                    <a:p>
+                      <a:pPr marL="7620" indent="0" algn="ctr" fontAlgn="t"/>
+                      <a:endParaRPr lang="en-US" altLang="zh-CN" sz="1400" b="0" i="0">
+                        <a:solidFill>
+                          <a:srgbClr val="000000"/>
+                        </a:solidFill>
+                        <a:latin typeface="微软雅黑" panose="020B0503020204020204" charset="-122"/>
+                        <a:ea typeface="微软雅黑" panose="020B0503020204020204" charset="-122"/>
+                      </a:endParaRPr>
+                    </a:p>
+                  </a:txBody>
+                  <a:tcPr marL="0" marR="0" marT="0" marB="0" anchor="ctr" anchorCtr="0">
+                    <a:solidFill>
+                      <a:srgbClr val="E6F0F2"/>
+                    </a:solidFill>
+                  </a:tcPr>
+                </a:tc>
+                <a:tc>
+                  <a:txBody>
+                    <a:bodyPr/>
+                    <a:p>
+                      <a:pPr marL="7620" indent="0" algn="ctr" fontAlgn="t"/>
+                      <a:endParaRPr lang="en-US" altLang="zh-CN" sz="1400" b="0" i="0">
+                        <a:solidFill>
+                          <a:srgbClr val="000000"/>
+                        </a:solidFill>
+                        <a:latin typeface="微软雅黑" panose="020B0503020204020204" charset="-122"/>
+                        <a:ea typeface="微软雅黑" panose="020B0503020204020204" charset="-122"/>
+                      </a:endParaRPr>
+                    </a:p>
+                  </a:txBody>
+                  <a:tcPr marL="0" marR="0" marT="0" marB="0" anchor="ctr" anchorCtr="0">
+                    <a:solidFill>
+                      <a:srgbClr val="E6F0F2"/>
+                    </a:solidFill>
+                  </a:tcPr>
+                </a:tc>
+                <a:tc>
+                  <a:txBody>
+                    <a:bodyPr/>
+                    <a:p>
+                      <a:pPr marL="7620" indent="0" algn="ctr" fontAlgn="t"/>
+                      <a:endParaRPr lang="en-US" altLang="zh-CN" sz="1400" b="0" i="0">
+                        <a:solidFill>
+                          <a:srgbClr val="000000"/>
+                        </a:solidFill>
+                        <a:latin typeface="微软雅黑" panose="020B0503020204020204" charset="-122"/>
+                        <a:ea typeface="微软雅黑" panose="020B0503020204020204" charset="-122"/>
+                      </a:endParaRPr>
+                    </a:p>
+                  </a:txBody>
+                  <a:tcPr marL="0" marR="0" marT="0" marB="0" anchor="ctr" anchorCtr="0">
                     <a:solidFill>
                       <a:srgbClr val="E6F0F2"/>
                     </a:solidFill>
@@ -2443,7 +2443,7 @@
                       </a:endParaRPr>
                     </a:p>
                   </a:txBody>
-                  <a:tcPr marL="7937" marR="7937" marT="7937" anchor="ctr" anchorCtr="0">
+                  <a:tcPr marL="0" marR="0" marT="0" marB="0" anchor="ctr" anchorCtr="0">
                     <a:solidFill>
                       <a:srgbClr val="E6F0F2"/>
                     </a:solidFill>
@@ -2471,67 +2471,67 @@
                       </a:endParaRPr>
                     </a:p>
                   </a:txBody>
-                  <a:tcPr marL="68580" marR="68580" anchor="ctr" anchorCtr="0">
-                    <a:solidFill>
-                      <a:srgbClr val="E6F0F2"/>
-                    </a:solidFill>
-                  </a:tcPr>
-                </a:tc>
-                <a:tc>
-                  <a:txBody>
-                    <a:bodyPr/>
-                    <a:p>
-                      <a:pPr marL="7620" indent="0" algn="ctr" fontAlgn="t"/>
-                      <a:endParaRPr lang="en-US" altLang="zh-CN" sz="1400" b="0" i="0">
-                        <a:solidFill>
-                          <a:srgbClr val="000000"/>
-                        </a:solidFill>
-                        <a:latin typeface="微软雅黑" panose="020B0503020204020204" charset="-122"/>
-                        <a:ea typeface="微软雅黑" panose="020B0503020204020204" charset="-122"/>
-                      </a:endParaRPr>
-                    </a:p>
-                  </a:txBody>
-                  <a:tcPr marL="7937" marR="7937" marT="7937" anchor="ctr" anchorCtr="0">
-                    <a:solidFill>
-                      <a:srgbClr val="E6F0F2"/>
-                    </a:solidFill>
-                  </a:tcPr>
-                </a:tc>
-                <a:tc>
-                  <a:txBody>
-                    <a:bodyPr/>
-                    <a:p>
-                      <a:pPr marL="7620" indent="0" algn="ctr" fontAlgn="t"/>
-                      <a:endParaRPr lang="en-US" altLang="zh-CN" sz="1400" b="0" i="0">
-                        <a:solidFill>
-                          <a:srgbClr val="000000"/>
-                        </a:solidFill>
-                        <a:latin typeface="微软雅黑" panose="020B0503020204020204" charset="-122"/>
-                        <a:ea typeface="微软雅黑" panose="020B0503020204020204" charset="-122"/>
-                      </a:endParaRPr>
-                    </a:p>
-                  </a:txBody>
-                  <a:tcPr marL="7937" marR="7937" marT="7937" anchor="ctr" anchorCtr="0">
-                    <a:solidFill>
-                      <a:srgbClr val="E6F0F2"/>
-                    </a:solidFill>
-                  </a:tcPr>
-                </a:tc>
-                <a:tc>
-                  <a:txBody>
-                    <a:bodyPr/>
-                    <a:p>
-                      <a:pPr marL="7620" indent="0" algn="ctr" fontAlgn="t"/>
-                      <a:endParaRPr lang="en-US" altLang="zh-CN" sz="1400" b="0" i="0">
-                        <a:solidFill>
-                          <a:srgbClr val="000000"/>
-                        </a:solidFill>
-                        <a:latin typeface="微软雅黑" panose="020B0503020204020204" charset="-122"/>
-                        <a:ea typeface="微软雅黑" panose="020B0503020204020204" charset="-122"/>
-                      </a:endParaRPr>
-                    </a:p>
-                  </a:txBody>
-                  <a:tcPr marL="7937" marR="7937" marT="7937" anchor="ctr" anchorCtr="0">
+                  <a:tcPr marL="0" marR="0" marT="0" marB="0" anchor="ctr" anchorCtr="0">
+                    <a:solidFill>
+                      <a:srgbClr val="E6F0F2"/>
+                    </a:solidFill>
+                  </a:tcPr>
+                </a:tc>
+                <a:tc>
+                  <a:txBody>
+                    <a:bodyPr/>
+                    <a:p>
+                      <a:pPr marL="7620" indent="0" algn="ctr" fontAlgn="t"/>
+                      <a:endParaRPr lang="en-US" altLang="zh-CN" sz="1400" b="0" i="0">
+                        <a:solidFill>
+                          <a:srgbClr val="000000"/>
+                        </a:solidFill>
+                        <a:latin typeface="微软雅黑" panose="020B0503020204020204" charset="-122"/>
+                        <a:ea typeface="微软雅黑" panose="020B0503020204020204" charset="-122"/>
+                      </a:endParaRPr>
+                    </a:p>
+                  </a:txBody>
+                  <a:tcPr marL="0" marR="0" marT="0" marB="0" anchor="ctr" anchorCtr="0">
+                    <a:solidFill>
+                      <a:srgbClr val="E6F0F2"/>
+                    </a:solidFill>
+                  </a:tcPr>
+                </a:tc>
+                <a:tc>
+                  <a:txBody>
+                    <a:bodyPr/>
+                    <a:p>
+                      <a:pPr marL="7620" indent="0" algn="ctr" fontAlgn="t"/>
+                      <a:endParaRPr lang="en-US" altLang="zh-CN" sz="1400" b="0" i="0">
+                        <a:solidFill>
+                          <a:srgbClr val="000000"/>
+                        </a:solidFill>
+                        <a:latin typeface="微软雅黑" panose="020B0503020204020204" charset="-122"/>
+                        <a:ea typeface="微软雅黑" panose="020B0503020204020204" charset="-122"/>
+                      </a:endParaRPr>
+                    </a:p>
+                  </a:txBody>
+                  <a:tcPr marL="0" marR="0" marT="0" marB="0" anchor="ctr" anchorCtr="0">
+                    <a:solidFill>
+                      <a:srgbClr val="E6F0F2"/>
+                    </a:solidFill>
+                  </a:tcPr>
+                </a:tc>
+                <a:tc>
+                  <a:txBody>
+                    <a:bodyPr/>
+                    <a:p>
+                      <a:pPr marL="7620" indent="0" algn="ctr" fontAlgn="t"/>
+                      <a:endParaRPr lang="en-US" altLang="zh-CN" sz="1400" b="0" i="0">
+                        <a:solidFill>
+                          <a:srgbClr val="000000"/>
+                        </a:solidFill>
+                        <a:latin typeface="微软雅黑" panose="020B0503020204020204" charset="-122"/>
+                        <a:ea typeface="微软雅黑" panose="020B0503020204020204" charset="-122"/>
+                      </a:endParaRPr>
+                    </a:p>
+                  </a:txBody>
+                  <a:tcPr marL="0" marR="0" marT="0" marB="0" anchor="ctr" anchorCtr="0">
                     <a:solidFill>
                       <a:srgbClr val="E6F0F2"/>
                     </a:solidFill>
@@ -2551,7 +2551,7 @@
                       </a:endParaRPr>
                     </a:p>
                   </a:txBody>
-                  <a:tcPr marL="7937" marR="7937" marT="7937" anchor="ctr" anchorCtr="0">
+                  <a:tcPr marL="0" marR="0" marT="0" marB="0" anchor="ctr" anchorCtr="0">
                     <a:solidFill>
                       <a:srgbClr val="E6F0F2"/>
                     </a:solidFill>
@@ -2617,7 +2617,7 @@
                       </a:endParaRPr>
                     </a:p>
                   </a:txBody>
-                  <a:tcPr marL="68580" marR="68580" anchor="ctr" anchorCtr="0">
+                  <a:tcPr marL="0" marR="0" marT="0" marB="0" anchor="ctr" anchorCtr="0">
                     <a:solidFill>
                       <a:srgbClr val="E6F0F2"/>
                     </a:solidFill>
@@ -2645,7 +2645,7 @@
                       </a:endParaRPr>
                     </a:p>
                   </a:txBody>
-                  <a:tcPr marL="7937" marR="7937" marT="7937" anchor="ctr" anchorCtr="0">
+                  <a:tcPr marL="0" marR="0" marT="0" marB="0" anchor="ctr" anchorCtr="0">
                     <a:solidFill>
                       <a:srgbClr val="E6F0F2"/>
                     </a:solidFill>
@@ -2666,7 +2666,7 @@
                       </a:endParaRPr>
                     </a:p>
                   </a:txBody>
-                  <a:tcPr marL="7937" marR="7937" marT="7937" anchor="ctr" anchorCtr="0">
+                  <a:tcPr marL="0" marR="0" marT="0" marB="0" anchor="ctr" anchorCtr="0">
                     <a:solidFill>
                       <a:srgbClr val="E6F0F2"/>
                     </a:solidFill>
@@ -2687,7 +2687,7 @@
                       </a:endParaRPr>
                     </a:p>
                   </a:txBody>
-                  <a:tcPr marL="7937" marR="7937" marT="7937" anchor="ctr" anchorCtr="0">
+                  <a:tcPr marL="0" marR="0" marT="0" marB="0" anchor="ctr" anchorCtr="0">
                     <a:solidFill>
                       <a:srgbClr val="E6F0F2"/>
                     </a:solidFill>
@@ -2707,7 +2707,7 @@
                       </a:endParaRPr>
                     </a:p>
                   </a:txBody>
-                  <a:tcPr marL="68580" marR="68580" anchor="ctr" anchorCtr="0">
+                  <a:tcPr marL="0" marR="0" marT="0" marB="0" anchor="ctr" anchorCtr="0">
                     <a:solidFill>
                       <a:srgbClr val="E6F0F2"/>
                     </a:solidFill>
@@ -2726,67 +2726,67 @@
                       </a:endParaRPr>
                     </a:p>
                   </a:txBody>
-                  <a:tcPr marL="68580" marR="68580" anchor="ctr" anchorCtr="0">
-                    <a:solidFill>
-                      <a:srgbClr val="E6F0F2"/>
-                    </a:solidFill>
-                  </a:tcPr>
-                </a:tc>
-                <a:tc>
-                  <a:txBody>
-                    <a:bodyPr/>
-                    <a:p>
-                      <a:pPr marL="7620" indent="0" algn="ctr" fontAlgn="t"/>
-                      <a:endParaRPr lang="en-US" altLang="zh-CN" sz="1400" b="0" i="0">
-                        <a:solidFill>
-                          <a:srgbClr val="000000"/>
-                        </a:solidFill>
-                        <a:latin typeface="微软雅黑" panose="020B0503020204020204" charset="-122"/>
-                        <a:ea typeface="微软雅黑" panose="020B0503020204020204" charset="-122"/>
-                      </a:endParaRPr>
-                    </a:p>
-                  </a:txBody>
-                  <a:tcPr marL="7937" marR="7937" marT="7937" anchor="ctr" anchorCtr="0">
-                    <a:solidFill>
-                      <a:srgbClr val="E6F0F2"/>
-                    </a:solidFill>
-                  </a:tcPr>
-                </a:tc>
-                <a:tc>
-                  <a:txBody>
-                    <a:bodyPr/>
-                    <a:p>
-                      <a:pPr marL="7620" indent="0" algn="ctr" fontAlgn="t"/>
-                      <a:endParaRPr lang="en-US" altLang="zh-CN" sz="1400" b="0" i="0">
-                        <a:solidFill>
-                          <a:srgbClr val="000000"/>
-                        </a:solidFill>
-                        <a:latin typeface="微软雅黑" panose="020B0503020204020204" charset="-122"/>
-                        <a:ea typeface="微软雅黑" panose="020B0503020204020204" charset="-122"/>
-                      </a:endParaRPr>
-                    </a:p>
-                  </a:txBody>
-                  <a:tcPr marL="7937" marR="7937" marT="7937" anchor="ctr" anchorCtr="0">
-                    <a:solidFill>
-                      <a:srgbClr val="E6F0F2"/>
-                    </a:solidFill>
-                  </a:tcPr>
-                </a:tc>
-                <a:tc>
-                  <a:txBody>
-                    <a:bodyPr/>
-                    <a:p>
-                      <a:pPr marL="7620" indent="0" algn="ctr" fontAlgn="t"/>
-                      <a:endParaRPr lang="en-US" altLang="zh-CN" sz="1400" b="0" i="0">
-                        <a:solidFill>
-                          <a:srgbClr val="000000"/>
-                        </a:solidFill>
-                        <a:latin typeface="微软雅黑" panose="020B0503020204020204" charset="-122"/>
-                        <a:ea typeface="微软雅黑" panose="020B0503020204020204" charset="-122"/>
-                      </a:endParaRPr>
-                    </a:p>
-                  </a:txBody>
-                  <a:tcPr marL="7937" marR="7937" marT="7937" anchor="ctr" anchorCtr="0">
+                  <a:tcPr marL="0" marR="0" marT="0" marB="0" anchor="ctr" anchorCtr="0">
+                    <a:solidFill>
+                      <a:srgbClr val="E6F0F2"/>
+                    </a:solidFill>
+                  </a:tcPr>
+                </a:tc>
+                <a:tc>
+                  <a:txBody>
+                    <a:bodyPr/>
+                    <a:p>
+                      <a:pPr marL="7620" indent="0" algn="ctr" fontAlgn="t"/>
+                      <a:endParaRPr lang="en-US" altLang="zh-CN" sz="1400" b="0" i="0">
+                        <a:solidFill>
+                          <a:srgbClr val="000000"/>
+                        </a:solidFill>
+                        <a:latin typeface="微软雅黑" panose="020B0503020204020204" charset="-122"/>
+                        <a:ea typeface="微软雅黑" panose="020B0503020204020204" charset="-122"/>
+                      </a:endParaRPr>
+                    </a:p>
+                  </a:txBody>
+                  <a:tcPr marL="0" marR="0" marT="0" marB="0" anchor="ctr" anchorCtr="0">
+                    <a:solidFill>
+                      <a:srgbClr val="E6F0F2"/>
+                    </a:solidFill>
+                  </a:tcPr>
+                </a:tc>
+                <a:tc>
+                  <a:txBody>
+                    <a:bodyPr/>
+                    <a:p>
+                      <a:pPr marL="7620" indent="0" algn="ctr" fontAlgn="t"/>
+                      <a:endParaRPr lang="en-US" altLang="zh-CN" sz="1400" b="0" i="0">
+                        <a:solidFill>
+                          <a:srgbClr val="000000"/>
+                        </a:solidFill>
+                        <a:latin typeface="微软雅黑" panose="020B0503020204020204" charset="-122"/>
+                        <a:ea typeface="微软雅黑" panose="020B0503020204020204" charset="-122"/>
+                      </a:endParaRPr>
+                    </a:p>
+                  </a:txBody>
+                  <a:tcPr marL="0" marR="0" marT="0" marB="0" anchor="ctr" anchorCtr="0">
+                    <a:solidFill>
+                      <a:srgbClr val="E6F0F2"/>
+                    </a:solidFill>
+                  </a:tcPr>
+                </a:tc>
+                <a:tc>
+                  <a:txBody>
+                    <a:bodyPr/>
+                    <a:p>
+                      <a:pPr marL="7620" indent="0" algn="ctr" fontAlgn="t"/>
+                      <a:endParaRPr lang="en-US" altLang="zh-CN" sz="1400" b="0" i="0">
+                        <a:solidFill>
+                          <a:srgbClr val="000000"/>
+                        </a:solidFill>
+                        <a:latin typeface="微软雅黑" panose="020B0503020204020204" charset="-122"/>
+                        <a:ea typeface="微软雅黑" panose="020B0503020204020204" charset="-122"/>
+                      </a:endParaRPr>
+                    </a:p>
+                  </a:txBody>
+                  <a:tcPr marL="0" marR="0" marT="0" marB="0" anchor="ctr" anchorCtr="0">
                     <a:solidFill>
                       <a:srgbClr val="E6F0F2"/>
                     </a:solidFill>
@@ -2806,7 +2806,7 @@
                       </a:endParaRPr>
                     </a:p>
                   </a:txBody>
-                  <a:tcPr marL="7937" marR="7937" marT="7937" anchor="ctr" anchorCtr="0">
+                  <a:tcPr marL="0" marR="0" marT="0" marB="0" anchor="ctr" anchorCtr="0">
                     <a:solidFill>
                       <a:srgbClr val="E6F0F2"/>
                     </a:solidFill>
@@ -2832,67 +2832,67 @@
                       </a:endParaRPr>
                     </a:p>
                   </a:txBody>
-                  <a:tcPr marL="68580" marR="68580" anchor="ctr" anchorCtr="0">
-                    <a:solidFill>
-                      <a:srgbClr val="E6F0F2"/>
-                    </a:solidFill>
-                  </a:tcPr>
-                </a:tc>
-                <a:tc>
-                  <a:txBody>
-                    <a:bodyPr/>
-                    <a:p>
-                      <a:pPr marL="7620" indent="0" algn="ctr" fontAlgn="t"/>
-                      <a:endParaRPr lang="en-US" altLang="zh-CN" sz="1400" b="0" i="0">
-                        <a:solidFill>
-                          <a:srgbClr val="000000"/>
-                        </a:solidFill>
-                        <a:latin typeface="微软雅黑" panose="020B0503020204020204" charset="-122"/>
-                        <a:ea typeface="微软雅黑" panose="020B0503020204020204" charset="-122"/>
-                      </a:endParaRPr>
-                    </a:p>
-                  </a:txBody>
-                  <a:tcPr marL="7937" marR="7937" marT="7937" anchor="ctr" anchorCtr="0">
-                    <a:solidFill>
-                      <a:srgbClr val="E6F0F2"/>
-                    </a:solidFill>
-                  </a:tcPr>
-                </a:tc>
-                <a:tc>
-                  <a:txBody>
-                    <a:bodyPr/>
-                    <a:p>
-                      <a:pPr marL="7620" indent="0" algn="ctr" fontAlgn="t"/>
-                      <a:endParaRPr lang="en-US" altLang="zh-CN" sz="1400" b="0" i="0">
-                        <a:solidFill>
-                          <a:srgbClr val="000000"/>
-                        </a:solidFill>
-                        <a:latin typeface="微软雅黑" panose="020B0503020204020204" charset="-122"/>
-                        <a:ea typeface="微软雅黑" panose="020B0503020204020204" charset="-122"/>
-                      </a:endParaRPr>
-                    </a:p>
-                  </a:txBody>
-                  <a:tcPr marL="7937" marR="7937" marT="7937" anchor="ctr" anchorCtr="0">
-                    <a:solidFill>
-                      <a:srgbClr val="E6F0F2"/>
-                    </a:solidFill>
-                  </a:tcPr>
-                </a:tc>
-                <a:tc>
-                  <a:txBody>
-                    <a:bodyPr/>
-                    <a:p>
-                      <a:pPr marL="7620" indent="0" algn="ctr" fontAlgn="t"/>
-                      <a:endParaRPr lang="en-US" altLang="zh-CN" sz="1400" b="0" i="0">
-                        <a:solidFill>
-                          <a:srgbClr val="000000"/>
-                        </a:solidFill>
-                        <a:latin typeface="微软雅黑" panose="020B0503020204020204" charset="-122"/>
-                        <a:ea typeface="微软雅黑" panose="020B0503020204020204" charset="-122"/>
-                      </a:endParaRPr>
-                    </a:p>
-                  </a:txBody>
-                  <a:tcPr marL="7937" marR="7937" marT="7937" anchor="ctr" anchorCtr="0">
+                  <a:tcPr marL="0" marR="0" marT="0" marB="0" anchor="ctr" anchorCtr="0">
+                    <a:solidFill>
+                      <a:srgbClr val="E6F0F2"/>
+                    </a:solidFill>
+                  </a:tcPr>
+                </a:tc>
+                <a:tc>
+                  <a:txBody>
+                    <a:bodyPr/>
+                    <a:p>
+                      <a:pPr marL="7620" indent="0" algn="ctr" fontAlgn="t"/>
+                      <a:endParaRPr lang="en-US" altLang="zh-CN" sz="1400" b="0" i="0">
+                        <a:solidFill>
+                          <a:srgbClr val="000000"/>
+                        </a:solidFill>
+                        <a:latin typeface="微软雅黑" panose="020B0503020204020204" charset="-122"/>
+                        <a:ea typeface="微软雅黑" panose="020B0503020204020204" charset="-122"/>
+                      </a:endParaRPr>
+                    </a:p>
+                  </a:txBody>
+                  <a:tcPr marL="0" marR="0" marT="0" marB="0" anchor="ctr" anchorCtr="0">
+                    <a:solidFill>
+                      <a:srgbClr val="E6F0F2"/>
+                    </a:solidFill>
+                  </a:tcPr>
+                </a:tc>
+                <a:tc>
+                  <a:txBody>
+                    <a:bodyPr/>
+                    <a:p>
+                      <a:pPr marL="7620" indent="0" algn="ctr" fontAlgn="t"/>
+                      <a:endParaRPr lang="en-US" altLang="zh-CN" sz="1400" b="0" i="0">
+                        <a:solidFill>
+                          <a:srgbClr val="000000"/>
+                        </a:solidFill>
+                        <a:latin typeface="微软雅黑" panose="020B0503020204020204" charset="-122"/>
+                        <a:ea typeface="微软雅黑" panose="020B0503020204020204" charset="-122"/>
+                      </a:endParaRPr>
+                    </a:p>
+                  </a:txBody>
+                  <a:tcPr marL="0" marR="0" marT="0" marB="0" anchor="ctr" anchorCtr="0">
+                    <a:solidFill>
+                      <a:srgbClr val="E6F0F2"/>
+                    </a:solidFill>
+                  </a:tcPr>
+                </a:tc>
+                <a:tc>
+                  <a:txBody>
+                    <a:bodyPr/>
+                    <a:p>
+                      <a:pPr marL="7620" indent="0" algn="ctr" fontAlgn="t"/>
+                      <a:endParaRPr lang="en-US" altLang="zh-CN" sz="1400" b="0" i="0">
+                        <a:solidFill>
+                          <a:srgbClr val="000000"/>
+                        </a:solidFill>
+                        <a:latin typeface="微软雅黑" panose="020B0503020204020204" charset="-122"/>
+                        <a:ea typeface="微软雅黑" panose="020B0503020204020204" charset="-122"/>
+                      </a:endParaRPr>
+                    </a:p>
+                  </a:txBody>
+                  <a:tcPr marL="0" marR="0" marT="0" marB="0" anchor="ctr" anchorCtr="0">
                     <a:solidFill>
                       <a:srgbClr val="E6F0F2"/>
                     </a:solidFill>
@@ -2912,7 +2912,7 @@
                       </a:endParaRPr>
                     </a:p>
                   </a:txBody>
-                  <a:tcPr marL="7937" marR="7937" marT="7937" anchor="ctr" anchorCtr="0">
+                  <a:tcPr marL="0" marR="0" marT="0" marB="0" anchor="ctr" anchorCtr="0">
                     <a:solidFill>
                       <a:srgbClr val="E6F0F2"/>
                     </a:solidFill>
@@ -2940,67 +2940,67 @@
                       </a:endParaRPr>
                     </a:p>
                   </a:txBody>
-                  <a:tcPr marL="68580" marR="68580" anchor="ctr" anchorCtr="0">
-                    <a:solidFill>
-                      <a:srgbClr val="E6F0F2"/>
-                    </a:solidFill>
-                  </a:tcPr>
-                </a:tc>
-                <a:tc>
-                  <a:txBody>
-                    <a:bodyPr/>
-                    <a:p>
-                      <a:pPr marL="7620" indent="0" algn="ctr" fontAlgn="t"/>
-                      <a:endParaRPr lang="en-US" altLang="zh-CN" sz="1400" b="0" i="0">
-                        <a:solidFill>
-                          <a:srgbClr val="000000"/>
-                        </a:solidFill>
-                        <a:latin typeface="微软雅黑" panose="020B0503020204020204" charset="-122"/>
-                        <a:ea typeface="微软雅黑" panose="020B0503020204020204" charset="-122"/>
-                      </a:endParaRPr>
-                    </a:p>
-                  </a:txBody>
-                  <a:tcPr marL="7937" marR="7937" marT="7937" anchor="ctr" anchorCtr="0">
-                    <a:solidFill>
-                      <a:srgbClr val="E6F0F2"/>
-                    </a:solidFill>
-                  </a:tcPr>
-                </a:tc>
-                <a:tc>
-                  <a:txBody>
-                    <a:bodyPr/>
-                    <a:p>
-                      <a:pPr marL="7620" indent="0" algn="ctr" fontAlgn="t"/>
-                      <a:endParaRPr lang="en-US" altLang="zh-CN" sz="1400" b="0" i="0">
-                        <a:solidFill>
-                          <a:srgbClr val="000000"/>
-                        </a:solidFill>
-                        <a:latin typeface="微软雅黑" panose="020B0503020204020204" charset="-122"/>
-                        <a:ea typeface="微软雅黑" panose="020B0503020204020204" charset="-122"/>
-                      </a:endParaRPr>
-                    </a:p>
-                  </a:txBody>
-                  <a:tcPr marL="7937" marR="7937" marT="7937" anchor="ctr" anchorCtr="0">
-                    <a:solidFill>
-                      <a:srgbClr val="E6F0F2"/>
-                    </a:solidFill>
-                  </a:tcPr>
-                </a:tc>
-                <a:tc>
-                  <a:txBody>
-                    <a:bodyPr/>
-                    <a:p>
-                      <a:pPr marL="7620" indent="0" algn="ctr" fontAlgn="t"/>
-                      <a:endParaRPr lang="en-US" altLang="zh-CN" sz="1400" b="0" i="0">
-                        <a:solidFill>
-                          <a:srgbClr val="000000"/>
-                        </a:solidFill>
-                        <a:latin typeface="微软雅黑" panose="020B0503020204020204" charset="-122"/>
-                        <a:ea typeface="微软雅黑" panose="020B0503020204020204" charset="-122"/>
-                      </a:endParaRPr>
-                    </a:p>
-                  </a:txBody>
-                  <a:tcPr marL="7937" marR="7937" marT="7937" anchor="ctr" anchorCtr="0">
+                  <a:tcPr marL="0" marR="0" marT="0" marB="0" anchor="ctr" anchorCtr="0">
+                    <a:solidFill>
+                      <a:srgbClr val="E6F0F2"/>
+                    </a:solidFill>
+                  </a:tcPr>
+                </a:tc>
+                <a:tc>
+                  <a:txBody>
+                    <a:bodyPr/>
+                    <a:p>
+                      <a:pPr marL="7620" indent="0" algn="ctr" fontAlgn="t"/>
+                      <a:endParaRPr lang="en-US" altLang="zh-CN" sz="1400" b="0" i="0">
+                        <a:solidFill>
+                          <a:srgbClr val="000000"/>
+                        </a:solidFill>
+                        <a:latin typeface="微软雅黑" panose="020B0503020204020204" charset="-122"/>
+                        <a:ea typeface="微软雅黑" panose="020B0503020204020204" charset="-122"/>
+                      </a:endParaRPr>
+                    </a:p>
+                  </a:txBody>
+                  <a:tcPr marL="0" marR="0" marT="0" marB="0" anchor="ctr" anchorCtr="0">
+                    <a:solidFill>
+                      <a:srgbClr val="E6F0F2"/>
+                    </a:solidFill>
+                  </a:tcPr>
+                </a:tc>
+                <a:tc>
+                  <a:txBody>
+                    <a:bodyPr/>
+                    <a:p>
+                      <a:pPr marL="7620" indent="0" algn="ctr" fontAlgn="t"/>
+                      <a:endParaRPr lang="en-US" altLang="zh-CN" sz="1400" b="0" i="0">
+                        <a:solidFill>
+                          <a:srgbClr val="000000"/>
+                        </a:solidFill>
+                        <a:latin typeface="微软雅黑" panose="020B0503020204020204" charset="-122"/>
+                        <a:ea typeface="微软雅黑" panose="020B0503020204020204" charset="-122"/>
+                      </a:endParaRPr>
+                    </a:p>
+                  </a:txBody>
+                  <a:tcPr marL="0" marR="0" marT="0" marB="0" anchor="ctr" anchorCtr="0">
+                    <a:solidFill>
+                      <a:srgbClr val="E6F0F2"/>
+                    </a:solidFill>
+                  </a:tcPr>
+                </a:tc>
+                <a:tc>
+                  <a:txBody>
+                    <a:bodyPr/>
+                    <a:p>
+                      <a:pPr marL="7620" indent="0" algn="ctr" fontAlgn="t"/>
+                      <a:endParaRPr lang="en-US" altLang="zh-CN" sz="1400" b="0" i="0">
+                        <a:solidFill>
+                          <a:srgbClr val="000000"/>
+                        </a:solidFill>
+                        <a:latin typeface="微软雅黑" panose="020B0503020204020204" charset="-122"/>
+                        <a:ea typeface="微软雅黑" panose="020B0503020204020204" charset="-122"/>
+                      </a:endParaRPr>
+                    </a:p>
+                  </a:txBody>
+                  <a:tcPr marL="0" marR="0" marT="0" marB="0" anchor="ctr" anchorCtr="0">
                     <a:solidFill>
                       <a:srgbClr val="E6F0F2"/>
                     </a:solidFill>
@@ -3020,7 +3020,7 @@
                       </a:endParaRPr>
                     </a:p>
                   </a:txBody>
-                  <a:tcPr marL="7937" marR="7937" marT="7937" anchor="ctr" anchorCtr="0">
+                  <a:tcPr marL="0" marR="0" marT="0" marB="0" anchor="ctr" anchorCtr="0">
                     <a:solidFill>
                       <a:srgbClr val="E6F0F2"/>
                     </a:solidFill>
@@ -3080,7 +3080,7 @@
                       </a:endParaRPr>
                     </a:p>
                   </a:txBody>
-                  <a:tcPr marL="68580" marR="68580" anchor="ctr" anchorCtr="0">
+                  <a:tcPr marL="0" marR="0" marT="0" marB="0" anchor="ctr" anchorCtr="0">
                     <a:solidFill>
                       <a:srgbClr val="E6F0F2"/>
                     </a:solidFill>
@@ -3107,7 +3107,7 @@
                       </a:endParaRPr>
                     </a:p>
                   </a:txBody>
-                  <a:tcPr marL="7937" marR="7937" marT="7937" anchor="ctr" anchorCtr="0">
+                  <a:tcPr marL="0" marR="0" marT="0" marB="0" anchor="ctr" anchorCtr="0">
                     <a:solidFill>
                       <a:srgbClr val="E6F0F2"/>
                     </a:solidFill>
@@ -3127,7 +3127,7 @@
                       </a:endParaRPr>
                     </a:p>
                   </a:txBody>
-                  <a:tcPr marL="7937" marR="7937" marT="7937" anchor="ctr" anchorCtr="0">
+                  <a:tcPr marL="0" marR="0" marT="0" marB="0" anchor="ctr" anchorCtr="0">
                     <a:solidFill>
                       <a:srgbClr val="E6F0F2"/>
                     </a:solidFill>
@@ -3147,7 +3147,7 @@
                       </a:endParaRPr>
                     </a:p>
                   </a:txBody>
-                  <a:tcPr marL="7937" marR="7937" marT="7937" anchor="ctr" anchorCtr="0">
+                  <a:tcPr marL="0" marR="0" marT="0" marB="0" anchor="ctr" anchorCtr="0">
                     <a:solidFill>
                       <a:srgbClr val="E6F0F2"/>
                     </a:solidFill>
